--- a/presentation/coffee_blackcow.pptx
+++ b/presentation/coffee_blackcow.pptx
@@ -2,7 +2,7 @@
 <file path=ppt/presentation.xml><?xml version="1.0" encoding="utf-8"?>
 <p:presentation xmlns:r="http://schemas.openxmlformats.org/officeDocument/2006/relationships" xmlns:c="http://schemas.openxmlformats.org/drawingml/2006/chart" xmlns:a="http://schemas.openxmlformats.org/drawingml/2006/main" xmlns:dgm="http://schemas.openxmlformats.org/drawingml/2006/diagram" xmlns:dsp="http://schemas.microsoft.com/office/drawing/2008/diagram" xmlns:p="http://schemas.openxmlformats.org/presentationml/2006/main">
   <p:sldMasterIdLst>
-    <p:sldMasterId id="2147483860" r:id="rId1"/>
+    <p:sldMasterId id="2147483804" r:id="rId1"/>
   </p:sldMasterIdLst>
   <p:notesMasterIdLst>
     <p:notesMasterId r:id="rId2"/>
@@ -29,7 +29,6 @@
     <p:sldId id="271" r:id="rId19"/>
     <p:sldId id="272" r:id="rId20"/>
     <p:sldId id="273" r:id="rId21"/>
-    <p:sldId id="274" r:id="rId22"/>
   </p:sldIdLst>
   <p:sldSz cx="12192000" cy="6858000"/>
   <p:notesSz cx="6858000" cy="9144000"/>
@@ -1797,7 +1796,7 @@
         </p:spPr>
         <p:txBody>
           <a:bodyPr vert="horz" lIns="91440" tIns="45720" rIns="91440" bIns="45720">
-            <a:normAutofit lnSpcReduction="10000"/>
+            <a:normAutofit fontScale="25000" lnSpcReduction="20000"/>
           </a:bodyPr>
           <a:lstStyle>
             <a:lvl1pPr marL="228600" indent="-228600" algn="l" defTabSz="914400" rtl="0" eaLnBrk="1" latinLnBrk="0" hangingPunct="1">
@@ -2586,7 +2585,7 @@
               </a:rPr>
               <a:t>_</a:t>
             </a:r>
-            <a:endParaRPr lang="ko-KR" altLang="en-US" sz="2400" i="1">
+            <a:endParaRPr lang="en-US" altLang="ko-KR" sz="2400" i="1">
               <a:solidFill>
                 <a:schemeClr val="bg1">
                   <a:lumMod val="75000"/>
@@ -9786,43 +9785,6 @@
           <a:chExt cx="0" cy="0"/>
         </a:xfrm>
       </p:grpSpPr>
-    </p:spTree>
-  </p:cSld>
-  <p:clrMapOvr>
-    <a:masterClrMapping/>
-  </p:clrMapOvr>
-  <mc:AlternateContent xmlns:mc="http://schemas.openxmlformats.org/markup-compatibility/2006">
-    <mc:Choice xmlns:p14="http://schemas.microsoft.com/office/powerpoint/2010/main" Requires="p14">
-      <p:transition xmlns:mc="http://schemas.openxmlformats.org/markup-compatibility/2006" xmlns:p14="http://schemas.microsoft.com/office/powerpoint/2010/main" spd="med" mc:Ignorable="p14" p14:dur="1000">
-        <p:cover dir="l"/>
-      </p:transition>
-    </mc:Choice>
-    <mc:Fallback>
-      <p:transition xmlns:mc="http://schemas.openxmlformats.org/markup-compatibility/2006" xmlns:hp="http://schemas.haansoft.com/office/presentation/8.0" spd="med" mc:Ignorable="hp" hp:hslDur="1000">
-        <p:fade/>
-      </p:transition>
-    </mc:Fallback>
-  </mc:AlternateContent>
-</p:sld>
-</file>
-
-<file path=ppt/slides/slide18.xml><?xml version="1.0" encoding="utf-8"?>
-<p:sld xmlns:r="http://schemas.openxmlformats.org/officeDocument/2006/relationships" xmlns:c="http://schemas.openxmlformats.org/drawingml/2006/chart" xmlns:a="http://schemas.openxmlformats.org/drawingml/2006/main" xmlns:dgm="http://schemas.openxmlformats.org/drawingml/2006/diagram" xmlns:dsp="http://schemas.microsoft.com/office/drawing/2008/diagram" xmlns:p="http://schemas.openxmlformats.org/presentationml/2006/main">
-  <p:cSld>
-    <p:spTree>
-      <p:nvGrpSpPr>
-        <p:cNvPr id="1" name=""/>
-        <p:cNvGrpSpPr/>
-        <p:nvPr/>
-      </p:nvGrpSpPr>
-      <p:grpSpPr>
-        <a:xfrm>
-          <a:off x="0" y="0"/>
-          <a:ext cx="0" cy="0"/>
-          <a:chOff x="0" y="0"/>
-          <a:chExt cx="0" cy="0"/>
-        </a:xfrm>
-      </p:grpSpPr>
       <p:sp>
         <p:nvSpPr>
           <p:cNvPr id="20" name="Заголовок 1"/>
@@ -10210,7 +10172,7 @@
                 <a:latin typeface="+mn-ea"/>
                 <a:cs typeface="Poppins"/>
               </a:rPr>
-              <a:t>온도센서 교체</a:t>
+              <a:t>적외선 온도센서로 교체</a:t>
             </a:r>
             <a:endParaRPr lang="ko-KR" altLang="en-US" sz="1200" b="1" kern="0">
               <a:solidFill>
@@ -10424,7 +10386,7 @@
                 <a:latin typeface="+mn-ea"/>
                 <a:cs typeface="Poppins"/>
               </a:rPr>
-              <a:t>디지털온도센서로는 온도를 즉각적으로 </a:t>
+              <a:t>재질차이로 종이컵만 측정 가능</a:t>
             </a:r>
             <a:endParaRPr lang="ko-KR" altLang="en-US" sz="1100" kern="0">
               <a:solidFill>
@@ -10453,74 +10415,9 @@
                 <a:latin typeface="+mn-ea"/>
                 <a:cs typeface="Poppins"/>
               </a:rPr>
-              <a:t>확인하기 힘든데</a:t>
-            </a:r>
-            <a:r>
-              <a:rPr lang="en-US" altLang="ko-KR" sz="1100" kern="0">
-                <a:solidFill>
-                  <a:schemeClr val="bg2">
-                    <a:lumMod val="25000"/>
-                  </a:schemeClr>
-                </a:solidFill>
-                <a:latin typeface="+mn-ea"/>
-                <a:cs typeface="Poppins"/>
-              </a:rPr>
-              <a:t>,</a:t>
-            </a:r>
-            <a:r>
-              <a:rPr lang="ko-KR" altLang="en-US" sz="1100" kern="0">
-                <a:solidFill>
-                  <a:schemeClr val="bg2">
-                    <a:lumMod val="25000"/>
-                  </a:schemeClr>
-                </a:solidFill>
-                <a:latin typeface="+mn-ea"/>
-                <a:cs typeface="Poppins"/>
-              </a:rPr>
-              <a:t> 적외선온도센서로 </a:t>
+              <a:t>센서의 반응속도가 느림</a:t>
             </a:r>
             <a:endParaRPr lang="ko-KR" altLang="en-US" sz="1100" kern="0">
-              <a:solidFill>
-                <a:schemeClr val="bg2">
-                  <a:lumMod val="25000"/>
-                </a:schemeClr>
-              </a:solidFill>
-              <a:latin typeface="+mn-ea"/>
-              <a:cs typeface="Poppins"/>
-            </a:endParaRPr>
-          </a:p>
-          <a:p>
-            <a:pPr algn="ctr">
-              <a:lnSpc>
-                <a:spcPct val="50000"/>
-              </a:lnSpc>
-              <a:defRPr/>
-            </a:pPr>
-            <a:r>
-              <a:rPr lang="ko-KR" altLang="en-US" sz="1100" kern="0">
-                <a:solidFill>
-                  <a:schemeClr val="bg2">
-                    <a:lumMod val="25000"/>
-                  </a:schemeClr>
-                </a:solidFill>
-                <a:latin typeface="+mn-ea"/>
-                <a:cs typeface="Poppins"/>
-              </a:rPr>
-              <a:t>교체한다면 반응속도가 증가될 것입니다</a:t>
-            </a:r>
-            <a:r>
-              <a:rPr lang="en-US" altLang="ko-KR" sz="1100" kern="0">
-                <a:solidFill>
-                  <a:schemeClr val="bg2">
-                    <a:lumMod val="25000"/>
-                  </a:schemeClr>
-                </a:solidFill>
-                <a:latin typeface="+mn-ea"/>
-                <a:cs typeface="Poppins"/>
-              </a:rPr>
-              <a:t>.</a:t>
-            </a:r>
-            <a:endParaRPr lang="en-US" altLang="ko-KR" sz="1100" kern="0">
               <a:solidFill>
                 <a:schemeClr val="bg2">
                   <a:lumMod val="25000"/>
@@ -10732,7 +10629,7 @@
                 <a:latin typeface="+mn-ea"/>
                 <a:cs typeface="Poppins"/>
               </a:rPr>
-              <a:t>조도센서 교체</a:t>
+              <a:t>감압센서로 교체</a:t>
             </a:r>
             <a:endParaRPr lang="ko-KR" altLang="en-US" sz="1200" b="1" kern="0">
               <a:solidFill>
@@ -10946,127 +10843,9 @@
                 <a:latin typeface="+mn-ea"/>
                 <a:cs typeface="Poppins"/>
               </a:rPr>
-              <a:t>주변에 어두울 때는</a:t>
-            </a:r>
-            <a:r>
-              <a:rPr lang="en-US" altLang="ko-KR" sz="1100" kern="0">
-                <a:solidFill>
-                  <a:schemeClr val="bg2">
-                    <a:lumMod val="25000"/>
-                  </a:schemeClr>
-                </a:solidFill>
-                <a:latin typeface="+mn-ea"/>
-                <a:cs typeface="Poppins"/>
-              </a:rPr>
-              <a:t>,</a:t>
-            </a:r>
-            <a:r>
-              <a:rPr lang="ko-KR" altLang="en-US" sz="1100" kern="0">
-                <a:solidFill>
-                  <a:schemeClr val="bg2">
-                    <a:lumMod val="25000"/>
-                  </a:schemeClr>
-                </a:solidFill>
-                <a:latin typeface="+mn-ea"/>
-                <a:cs typeface="Poppins"/>
-              </a:rPr>
-              <a:t> 사용할 수 없는 불편함이</a:t>
+              <a:t>주변에 어두울 때는 사용할 수 없음</a:t>
             </a:r>
             <a:endParaRPr lang="ko-KR" altLang="en-US" sz="1100" kern="0">
-              <a:solidFill>
-                <a:schemeClr val="bg2">
-                  <a:lumMod val="25000"/>
-                </a:schemeClr>
-              </a:solidFill>
-              <a:latin typeface="+mn-ea"/>
-              <a:cs typeface="Poppins"/>
-            </a:endParaRPr>
-          </a:p>
-          <a:p>
-            <a:pPr algn="ctr">
-              <a:lnSpc>
-                <a:spcPct val="50000"/>
-              </a:lnSpc>
-              <a:defRPr/>
-            </a:pPr>
-            <a:r>
-              <a:rPr lang="ko-KR" altLang="en-US" sz="1100" kern="0">
-                <a:solidFill>
-                  <a:schemeClr val="bg2">
-                    <a:lumMod val="25000"/>
-                  </a:schemeClr>
-                </a:solidFill>
-                <a:latin typeface="+mn-ea"/>
-                <a:cs typeface="Poppins"/>
-              </a:rPr>
-              <a:t>있는데</a:t>
-            </a:r>
-            <a:r>
-              <a:rPr lang="en-US" altLang="ko-KR" sz="1100" kern="0">
-                <a:solidFill>
-                  <a:schemeClr val="bg2">
-                    <a:lumMod val="25000"/>
-                  </a:schemeClr>
-                </a:solidFill>
-                <a:latin typeface="+mn-ea"/>
-                <a:cs typeface="Poppins"/>
-              </a:rPr>
-              <a:t>,</a:t>
-            </a:r>
-            <a:r>
-              <a:rPr lang="ko-KR" altLang="en-US" sz="1100" kern="0">
-                <a:solidFill>
-                  <a:schemeClr val="bg2">
-                    <a:lumMod val="25000"/>
-                  </a:schemeClr>
-                </a:solidFill>
-                <a:latin typeface="+mn-ea"/>
-                <a:cs typeface="Poppins"/>
-              </a:rPr>
-              <a:t> 감압센서를 통해 압력을 체크한다면</a:t>
-            </a:r>
-            <a:endParaRPr lang="ko-KR" altLang="en-US" sz="1100" kern="0">
-              <a:solidFill>
-                <a:schemeClr val="bg2">
-                  <a:lumMod val="25000"/>
-                </a:schemeClr>
-              </a:solidFill>
-              <a:latin typeface="+mn-ea"/>
-              <a:cs typeface="Poppins"/>
-            </a:endParaRPr>
-          </a:p>
-          <a:p>
-            <a:pPr algn="ctr">
-              <a:lnSpc>
-                <a:spcPct val="50000"/>
-              </a:lnSpc>
-              <a:defRPr/>
-            </a:pPr>
-            <a:r>
-              <a:rPr lang="ko-KR" altLang="en-US" sz="1100" kern="0">
-                <a:solidFill>
-                  <a:schemeClr val="bg2">
-                    <a:lumMod val="25000"/>
-                  </a:schemeClr>
-                </a:solidFill>
-                <a:latin typeface="+mn-ea"/>
-                <a:cs typeface="Poppins"/>
-              </a:rPr>
-              <a:t>이런 문제점이 해결될 것 같습니다</a:t>
-            </a:r>
-            <a:r>
-              <a:rPr lang="en-US" altLang="ko-KR" sz="1100" kern="0">
-                <a:solidFill>
-                  <a:schemeClr val="bg2">
-                    <a:lumMod val="25000"/>
-                  </a:schemeClr>
-                </a:solidFill>
-                <a:latin typeface="+mn-ea"/>
-                <a:cs typeface="Poppins"/>
-              </a:rPr>
-              <a:t>.</a:t>
-            </a:r>
-            <a:endParaRPr lang="en-US" altLang="ko-KR" sz="1100" kern="0">
               <a:solidFill>
                 <a:schemeClr val="bg2">
                   <a:lumMod val="25000"/>
@@ -11528,127 +11307,9 @@
                 <a:latin typeface="+mn-ea"/>
                 <a:cs typeface="Poppins"/>
               </a:rPr>
-              <a:t>아두이노는 멀티쓰레드가 지원되지 않아</a:t>
+              <a:t>아두이노는 멀티쓰레드 지원 불가</a:t>
             </a:r>
-            <a:r>
-              <a:rPr lang="en-US" altLang="ko-KR" sz="1100" kern="0">
-                <a:solidFill>
-                  <a:schemeClr val="bg2">
-                    <a:lumMod val="25000"/>
-                  </a:schemeClr>
-                </a:solidFill>
-                <a:latin typeface="+mn-ea"/>
-                <a:cs typeface="Poppins"/>
-              </a:rPr>
-              <a:t>,</a:t>
-            </a:r>
-            <a:endParaRPr lang="en-US" altLang="ko-KR" sz="1100" kern="0">
-              <a:solidFill>
-                <a:schemeClr val="bg2">
-                  <a:lumMod val="25000"/>
-                </a:schemeClr>
-              </a:solidFill>
-              <a:latin typeface="+mn-ea"/>
-              <a:cs typeface="Poppins"/>
-            </a:endParaRPr>
-          </a:p>
-          <a:p>
-            <a:pPr algn="ctr">
-              <a:lnSpc>
-                <a:spcPct val="50000"/>
-              </a:lnSpc>
-              <a:defRPr/>
-            </a:pPr>
-            <a:r>
-              <a:rPr lang="ko-KR" altLang="en-US" sz="1100" kern="0">
-                <a:solidFill>
-                  <a:schemeClr val="bg2">
-                    <a:lumMod val="25000"/>
-                  </a:schemeClr>
-                </a:solidFill>
-                <a:latin typeface="+mn-ea"/>
-                <a:cs typeface="Poppins"/>
-              </a:rPr>
-              <a:t>코드를 짜는데</a:t>
-            </a:r>
-            <a:r>
-              <a:rPr lang="en-US" altLang="ko-KR" sz="1100" kern="0">
-                <a:solidFill>
-                  <a:schemeClr val="bg2">
-                    <a:lumMod val="25000"/>
-                  </a:schemeClr>
-                </a:solidFill>
-                <a:latin typeface="+mn-ea"/>
-                <a:cs typeface="Poppins"/>
-              </a:rPr>
-              <a:t>,</a:t>
-            </a:r>
-            <a:r>
-              <a:rPr lang="ko-KR" altLang="en-US" sz="1100" kern="0">
-                <a:solidFill>
-                  <a:schemeClr val="bg2">
-                    <a:lumMod val="25000"/>
-                  </a:schemeClr>
-                </a:solidFill>
-                <a:latin typeface="+mn-ea"/>
-                <a:cs typeface="Poppins"/>
-              </a:rPr>
-              <a:t> 불편함이 있었습니다</a:t>
-            </a:r>
-            <a:r>
-              <a:rPr lang="en-US" altLang="ko-KR" sz="1100" kern="0">
-                <a:solidFill>
-                  <a:schemeClr val="bg2">
-                    <a:lumMod val="25000"/>
-                  </a:schemeClr>
-                </a:solidFill>
-                <a:latin typeface="+mn-ea"/>
-                <a:cs typeface="Poppins"/>
-              </a:rPr>
-              <a:t>.</a:t>
-            </a:r>
-            <a:endParaRPr lang="en-US" altLang="ko-KR" sz="1100" kern="0">
-              <a:solidFill>
-                <a:schemeClr val="bg2">
-                  <a:lumMod val="25000"/>
-                </a:schemeClr>
-              </a:solidFill>
-              <a:latin typeface="+mn-ea"/>
-              <a:cs typeface="Poppins"/>
-            </a:endParaRPr>
-          </a:p>
-          <a:p>
-            <a:pPr algn="ctr">
-              <a:lnSpc>
-                <a:spcPct val="50000"/>
-              </a:lnSpc>
-              <a:defRPr/>
-            </a:pPr>
-            <a:r>
-              <a:rPr lang="ko-KR" altLang="en-US" sz="1100" kern="0">
-                <a:solidFill>
-                  <a:schemeClr val="bg2">
-                    <a:lumMod val="25000"/>
-                  </a:schemeClr>
-                </a:solidFill>
-                <a:latin typeface="+mn-ea"/>
-                <a:cs typeface="Poppins"/>
-              </a:rPr>
-              <a:t>코드 단순화 방법을 찾으면 좋을 것 같습니다</a:t>
-            </a:r>
-            <a:r>
-              <a:rPr lang="en-US" altLang="ko-KR" sz="1100" kern="0">
-                <a:solidFill>
-                  <a:schemeClr val="bg2">
-                    <a:lumMod val="25000"/>
-                  </a:schemeClr>
-                </a:solidFill>
-                <a:latin typeface="+mn-ea"/>
-                <a:cs typeface="Poppins"/>
-              </a:rPr>
-              <a:t>.</a:t>
-            </a:r>
-            <a:endParaRPr lang="en-US" altLang="ko-KR" sz="1100" kern="0">
+            <a:endParaRPr lang="ko-KR" altLang="en-US" sz="1100" kern="0">
               <a:solidFill>
                 <a:schemeClr val="bg2">
                   <a:lumMod val="25000"/>
@@ -12400,7 +12061,7 @@
 </p:sld>
 </file>
 
-<file path=ppt/slides/slide19.xml><?xml version="1.0" encoding="utf-8"?>
+<file path=ppt/slides/slide18.xml><?xml version="1.0" encoding="utf-8"?>
 <p:sld xmlns:r="http://schemas.openxmlformats.org/officeDocument/2006/relationships" xmlns:c="http://schemas.openxmlformats.org/drawingml/2006/chart" xmlns:a="http://schemas.openxmlformats.org/drawingml/2006/main" xmlns:dgm="http://schemas.openxmlformats.org/drawingml/2006/diagram" xmlns:dsp="http://schemas.microsoft.com/office/drawing/2008/diagram" xmlns:p="http://schemas.openxmlformats.org/presentationml/2006/main">
   <p:cSld>
     <p:spTree>

--- a/presentation/coffee_blackcow.pptx
+++ b/presentation/coffee_blackcow.pptx
@@ -2,7 +2,7 @@
 <file path=ppt/presentation.xml><?xml version="1.0" encoding="utf-8"?>
 <p:presentation xmlns:r="http://schemas.openxmlformats.org/officeDocument/2006/relationships" xmlns:c="http://schemas.openxmlformats.org/drawingml/2006/chart" xmlns:a="http://schemas.openxmlformats.org/drawingml/2006/main" xmlns:dgm="http://schemas.openxmlformats.org/drawingml/2006/diagram" xmlns:dsp="http://schemas.microsoft.com/office/drawing/2008/diagram" xmlns:p="http://schemas.openxmlformats.org/presentationml/2006/main">
   <p:sldMasterIdLst>
-    <p:sldMasterId id="2147483804" r:id="rId1"/>
+    <p:sldMasterId id="2147483802" r:id="rId1"/>
   </p:sldMasterIdLst>
   <p:notesMasterIdLst>
     <p:notesMasterId r:id="rId2"/>
@@ -225,7 +225,7 @@
               <a:pPr lvl="0">
                 <a:defRPr/>
               </a:pPr>
-              <a:t>25-10</a:t>
+              <a:t>26-10</a:t>
             </a:fld>
             <a:endParaRPr lang="ru-RU"/>
           </a:p>
@@ -411,7 +411,7 @@
               <a:pPr lvl="0">
                 <a:defRPr/>
               </a:pPr>
-              <a:t>25-10</a:t>
+              <a:t>26-10</a:t>
             </a:fld>
             <a:endParaRPr lang="ru-RU"/>
           </a:p>
@@ -1796,7 +1796,7 @@
         </p:spPr>
         <p:txBody>
           <a:bodyPr vert="horz" lIns="91440" tIns="45720" rIns="91440" bIns="45720">
-            <a:normAutofit fontScale="25000" lnSpcReduction="20000"/>
+            <a:noAutofit/>
           </a:bodyPr>
           <a:lstStyle>
             <a:lvl1pPr marL="228600" indent="-228600" algn="l" defTabSz="914400" rtl="0" eaLnBrk="1" latinLnBrk="0" hangingPunct="1">
@@ -1975,7 +1975,7 @@
               <a:defRPr/>
             </a:pPr>
             <a:r>
-              <a:rPr lang="ko-KR" altLang="en-US" sz="1400" kern="0">
+              <a:rPr lang="ko-KR" altLang="en-US" sz="1200" kern="0">
                 <a:solidFill>
                   <a:schemeClr val="bg1">
                     <a:lumMod val="65000"/>
@@ -1987,7 +1987,7 @@
               </a:rPr>
               <a:t>국방부 오픈소스 아카데미</a:t>
             </a:r>
-            <a:endParaRPr lang="ko-KR" altLang="en-US" sz="1400" kern="0">
+            <a:endParaRPr lang="ko-KR" altLang="en-US" sz="1200" kern="0">
               <a:solidFill>
                 <a:schemeClr val="bg1">
                   <a:lumMod val="65000"/>
@@ -2011,7 +2011,7 @@
               <a:defRPr/>
             </a:pPr>
             <a:r>
-              <a:rPr lang="en-US" altLang="ko-KR" sz="1400" kern="0">
+              <a:rPr lang="en-US" altLang="ko-KR" sz="1200" kern="0">
                 <a:solidFill>
                   <a:schemeClr val="bg1">
                     <a:lumMod val="65000"/>
@@ -2024,7 +2024,7 @@
               <a:t>18.</a:t>
             </a:r>
             <a:r>
-              <a:rPr lang="ko-KR" altLang="en-US" sz="1400" kern="0">
+              <a:rPr lang="ko-KR" altLang="en-US" sz="1200" kern="0">
                 <a:solidFill>
                   <a:schemeClr val="bg1">
                     <a:lumMod val="65000"/>
@@ -2037,7 +2037,7 @@
               <a:t> </a:t>
             </a:r>
             <a:r>
-              <a:rPr lang="en-US" altLang="ko-KR" sz="1400" kern="0">
+              <a:rPr lang="en-US" altLang="ko-KR" sz="1200" kern="0">
                 <a:solidFill>
                   <a:schemeClr val="bg1">
                     <a:lumMod val="65000"/>
@@ -2050,7 +2050,7 @@
               <a:t>10.</a:t>
             </a:r>
             <a:r>
-              <a:rPr lang="ko-KR" altLang="en-US" sz="1400" kern="0">
+              <a:rPr lang="ko-KR" altLang="en-US" sz="1200" kern="0">
                 <a:solidFill>
                   <a:schemeClr val="bg1">
                     <a:lumMod val="65000"/>
@@ -2063,7 +2063,7 @@
               <a:t> </a:t>
             </a:r>
             <a:r>
-              <a:rPr lang="en-US" altLang="ko-KR" sz="1400" kern="0">
+              <a:rPr lang="en-US" altLang="ko-KR" sz="1200" kern="0">
                 <a:solidFill>
                   <a:schemeClr val="bg1">
                     <a:lumMod val="65000"/>
@@ -2075,7 +2075,7 @@
               </a:rPr>
               <a:t>26</a:t>
             </a:r>
-            <a:endParaRPr lang="en-US" altLang="ko-KR" sz="1400" kern="0">
+            <a:endParaRPr lang="en-US" altLang="ko-KR" sz="1200" kern="0">
               <a:solidFill>
                 <a:schemeClr val="bg1">
                   <a:lumMod val="65000"/>
@@ -2099,7 +2099,7 @@
               <a:defRPr/>
             </a:pPr>
             <a:r>
-              <a:rPr lang="ko-KR" altLang="en-US" sz="1400" kern="0">
+              <a:rPr lang="ko-KR" altLang="en-US" sz="1200" kern="0">
                 <a:solidFill>
                   <a:schemeClr val="bg1">
                     <a:lumMod val="65000"/>
@@ -2111,7 +2111,7 @@
               </a:rPr>
               <a:t>커알못과 커잘알</a:t>
             </a:r>
-            <a:endParaRPr lang="ko-KR" altLang="en-US" sz="1400" kern="0">
+            <a:endParaRPr lang="ko-KR" altLang="en-US" sz="1200" kern="0">
               <a:solidFill>
                 <a:schemeClr val="bg1">
                   <a:lumMod val="65000"/>
@@ -2135,7 +2135,7 @@
               <a:defRPr/>
             </a:pPr>
             <a:r>
-              <a:rPr lang="en-US" altLang="ko-KR" sz="1400" kern="0">
+              <a:rPr lang="en-US" altLang="ko-KR" sz="1200" kern="0">
                 <a:solidFill>
                   <a:schemeClr val="bg1">
                     <a:lumMod val="65000"/>
@@ -2148,7 +2148,7 @@
               <a:t>1</a:t>
             </a:r>
             <a:r>
-              <a:rPr lang="ko-KR" altLang="en-US" sz="1400" kern="0">
+              <a:rPr lang="ko-KR" altLang="en-US" sz="1200" kern="0">
                 <a:solidFill>
                   <a:schemeClr val="bg1">
                     <a:lumMod val="65000"/>
@@ -2161,7 +2161,7 @@
               <a:t>사단 병장 구동섭</a:t>
             </a:r>
             <a:r>
-              <a:rPr lang="en-US" altLang="ko-KR" sz="1400" kern="0">
+              <a:rPr lang="en-US" altLang="ko-KR" sz="1200" kern="0">
                 <a:solidFill>
                   <a:schemeClr val="bg1">
                     <a:lumMod val="65000"/>
@@ -2174,7 +2174,7 @@
               <a:t>(</a:t>
             </a:r>
             <a:r>
-              <a:rPr lang="ko-KR" altLang="en-US" sz="1400" kern="0">
+              <a:rPr lang="ko-KR" altLang="en-US" sz="1200" kern="0">
                 <a:solidFill>
                   <a:schemeClr val="bg1">
                     <a:lumMod val="65000"/>
@@ -2187,7 +2187,7 @@
               <a:t>커알못</a:t>
             </a:r>
             <a:r>
-              <a:rPr lang="en-US" altLang="ko-KR" sz="1400" kern="0">
+              <a:rPr lang="en-US" altLang="ko-KR" sz="1200" kern="0">
                 <a:solidFill>
                   <a:schemeClr val="bg1">
                     <a:lumMod val="65000"/>
@@ -2199,7 +2199,7 @@
               </a:rPr>
               <a:t>)</a:t>
             </a:r>
-            <a:endParaRPr lang="en-US" altLang="ko-KR" sz="1400" kern="0">
+            <a:endParaRPr lang="en-US" altLang="ko-KR" sz="1200" kern="0">
               <a:solidFill>
                 <a:schemeClr val="bg1">
                   <a:lumMod val="65000"/>
@@ -2223,7 +2223,7 @@
               <a:defRPr/>
             </a:pPr>
             <a:r>
-              <a:rPr lang="en-US" altLang="ko-KR" sz="1400" kern="0">
+              <a:rPr lang="en-US" altLang="ko-KR" sz="1200" kern="0">
                 <a:solidFill>
                   <a:schemeClr val="bg1">
                     <a:lumMod val="65000"/>
@@ -2236,7 +2236,7 @@
               <a:t>1</a:t>
             </a:r>
             <a:r>
-              <a:rPr lang="ko-KR" altLang="en-US" sz="1400" kern="0">
+              <a:rPr lang="ko-KR" altLang="en-US" sz="1200" kern="0">
                 <a:solidFill>
                   <a:schemeClr val="bg1">
                     <a:lumMod val="65000"/>
@@ -2249,7 +2249,7 @@
               <a:t>사단 상병 조성락</a:t>
             </a:r>
             <a:r>
-              <a:rPr lang="en-US" altLang="ko-KR" sz="1400" kern="0">
+              <a:rPr lang="en-US" altLang="ko-KR" sz="1200" kern="0">
                 <a:solidFill>
                   <a:schemeClr val="bg1">
                     <a:lumMod val="65000"/>
@@ -2262,7 +2262,7 @@
               <a:t>(</a:t>
             </a:r>
             <a:r>
-              <a:rPr lang="ko-KR" altLang="en-US" sz="1400" kern="0">
+              <a:rPr lang="ko-KR" altLang="en-US" sz="1200" kern="0">
                 <a:solidFill>
                   <a:schemeClr val="bg1">
                     <a:lumMod val="65000"/>
@@ -2275,7 +2275,7 @@
               <a:t>커잘알</a:t>
             </a:r>
             <a:r>
-              <a:rPr lang="en-US" altLang="ko-KR" sz="1400" kern="0">
+              <a:rPr lang="en-US" altLang="ko-KR" sz="1200" kern="0">
                 <a:solidFill>
                   <a:schemeClr val="bg1">
                     <a:lumMod val="65000"/>
@@ -2287,7 +2287,7 @@
               </a:rPr>
               <a:t>)</a:t>
             </a:r>
-            <a:endParaRPr lang="en-US" altLang="ko-KR" sz="1400" kern="0">
+            <a:endParaRPr lang="en-US" altLang="ko-KR" sz="1200" kern="0">
               <a:solidFill>
                 <a:schemeClr val="bg1">
                   <a:lumMod val="65000"/>
@@ -3999,7 +3999,7 @@
                 <a:latin typeface="+mn-ea"/>
                 <a:cs typeface="Poppins"/>
               </a:rPr>
-              <a:t>기다려주세요</a:t>
+              <a:t>커피가 식을 때 까지 기다려주세요</a:t>
             </a:r>
             <a:r>
               <a:rPr lang="en-US" altLang="ko-KR" sz="1200" b="1" kern="0">
@@ -4629,7 +4629,7 @@
                 <a:latin typeface="+mn-ea"/>
                 <a:cs typeface="Poppins"/>
               </a:rPr>
-              <a:t>드세요</a:t>
+              <a:t>따뜻할 때 드세요</a:t>
             </a:r>
             <a:r>
               <a:rPr lang="en-US" altLang="ko-KR" sz="1200" b="1" kern="0">
@@ -4856,47 +4856,6 @@
                 <a:cs typeface="Poppins"/>
               </a:rPr>
               <a:t>적정온도가 되면 부저가 울립니다</a:t>
-            </a:r>
-            <a:r>
-              <a:rPr lang="en-US" altLang="ko-KR" sz="1100" kern="0">
-                <a:solidFill>
-                  <a:schemeClr val="bg2">
-                    <a:lumMod val="25000"/>
-                  </a:schemeClr>
-                </a:solidFill>
-                <a:latin typeface="+mn-ea"/>
-                <a:cs typeface="Poppins"/>
-              </a:rPr>
-              <a:t>.</a:t>
-            </a:r>
-            <a:endParaRPr lang="en-US" altLang="ko-KR" sz="1100" kern="0">
-              <a:solidFill>
-                <a:schemeClr val="bg2">
-                  <a:lumMod val="25000"/>
-                </a:schemeClr>
-              </a:solidFill>
-              <a:latin typeface="+mn-ea"/>
-              <a:cs typeface="Poppins"/>
-            </a:endParaRPr>
-          </a:p>
-          <a:p>
-            <a:pPr algn="ctr">
-              <a:lnSpc>
-                <a:spcPct val="50000"/>
-              </a:lnSpc>
-              <a:defRPr/>
-            </a:pPr>
-            <a:r>
-              <a:rPr lang="ko-KR" altLang="en-US" sz="1100" kern="0">
-                <a:solidFill>
-                  <a:schemeClr val="bg2">
-                    <a:lumMod val="25000"/>
-                  </a:schemeClr>
-                </a:solidFill>
-                <a:latin typeface="+mn-ea"/>
-                <a:cs typeface="Poppins"/>
-              </a:rPr>
-              <a:t>따뜻할 때 드세요</a:t>
             </a:r>
             <a:r>
               <a:rPr lang="en-US" altLang="ko-KR" sz="1100" kern="0">
